--- a/4 HealthFit Demo.pptx
+++ b/4 HealthFit Demo.pptx
@@ -4177,7 +4177,7 @@
       </p:pic>
       <p:pic>
         <p:nvPicPr>
-          <p:cNvPr id="6" name="Picture 5"/>
+          <p:cNvPr id="4" name="Picture 3"/>
           <p:cNvPicPr>
             <a:picLocks noChangeAspect="1"/>
           </p:cNvPicPr>
@@ -4197,8 +4197,8 @@
         </p:blipFill>
         <p:spPr>
           <a:xfrm>
-            <a:off x="196950" y="1989847"/>
-            <a:ext cx="11995050" cy="3486086"/>
+            <a:off x="256273" y="2128391"/>
+            <a:ext cx="11935727" cy="3468845"/>
           </a:xfrm>
           <a:prstGeom prst="rect">
             <a:avLst/>
@@ -4690,8 +4690,8 @@
               <a:t>Performance and Load test </a:t>
             </a:r>
             <a:r>
-              <a:rPr lang="en-US" sz="2000" dirty="0" err="1" smtClean="0"/>
-              <a:t>standerds</a:t>
+              <a:rPr lang="en-US" sz="2000" dirty="0" smtClean="0"/>
+              <a:t>standards</a:t>
             </a:r>
             <a:endParaRPr lang="en-US" sz="2000" dirty="0" smtClean="0"/>
           </a:p>
@@ -5558,11 +5558,7 @@
             </a:pPr>
             <a:r>
               <a:rPr lang="en-US" sz="2200" dirty="0" smtClean="0"/>
-              <a:t>Conclusion </a:t>
-            </a:r>
-            <a:r>
-              <a:rPr lang="en-US" sz="2200" dirty="0" smtClean="0"/>
-              <a:t>and Thanks you</a:t>
+              <a:t>Conclusion and Thanks you</a:t>
             </a:r>
             <a:endParaRPr lang="en-US" sz="2200" dirty="0"/>
           </a:p>
@@ -6076,11 +6072,7 @@
             </a:r>
             <a:r>
               <a:rPr lang="en-US" sz="2200" dirty="0" smtClean="0"/>
-              <a:t>SQL </a:t>
-            </a:r>
-            <a:r>
-              <a:rPr lang="en-US" sz="2200" dirty="0" smtClean="0"/>
-              <a:t>Server</a:t>
+              <a:t>SQL Server</a:t>
             </a:r>
           </a:p>
           <a:p>
@@ -6093,7 +6085,6 @@
               <a:rPr lang="en-US" sz="2200" dirty="0" smtClean="0"/>
               <a:t>Design Pattern :  Repository Pattern</a:t>
             </a:r>
-            <a:endParaRPr lang="en-US" sz="2200" dirty="0" smtClean="0"/>
           </a:p>
           <a:p>
             <a:pPr>
@@ -6430,11 +6421,7 @@
             </a:pPr>
             <a:r>
               <a:rPr lang="en-US" sz="2000" dirty="0" smtClean="0"/>
-              <a:t>Separate file storage location with Secure with </a:t>
-            </a:r>
-            <a:r>
-              <a:rPr lang="en-US" sz="2000" dirty="0" smtClean="0"/>
-              <a:t>Token</a:t>
+              <a:t>Separate file storage location with Secure with Token</a:t>
             </a:r>
           </a:p>
           <a:p>
@@ -6449,7 +6436,6 @@
               <a:rPr lang="en-US" sz="2000" dirty="0" smtClean="0"/>
               <a:t>File Upload Rate Limiting </a:t>
             </a:r>
-            <a:endParaRPr lang="en-US" sz="2000" dirty="0" smtClean="0"/>
           </a:p>
         </p:txBody>
       </p:sp>

--- a/4 HealthFit Demo.pptx
+++ b/4 HealthFit Demo.pptx
@@ -3012,8 +3012,8 @@
         </p:nvSpPr>
         <p:spPr>
           <a:xfrm>
-            <a:off x="1791980" y="660233"/>
-            <a:ext cx="3427134" cy="1107996"/>
+            <a:off x="1639579" y="1449942"/>
+            <a:ext cx="4470275" cy="1200329"/>
           </a:xfrm>
           <a:prstGeom prst="rect">
             <a:avLst/>
@@ -3028,7 +3028,7 @@
           <a:p>
             <a:pPr algn="ctr"/>
             <a:r>
-              <a:rPr lang="en-US" sz="6600" b="0" cap="none" spc="0" dirty="0" err="1" smtClean="0">
+              <a:rPr lang="en-US" sz="7200" b="0" cap="none" spc="0" dirty="0" err="1" smtClean="0">
                 <a:ln w="0"/>
                 <a:solidFill>
                   <a:schemeClr val="tx1"/>
@@ -3043,7 +3043,7 @@
               </a:rPr>
               <a:t>HealthFit</a:t>
             </a:r>
-            <a:endParaRPr lang="en-US" sz="6600" b="0" cap="none" spc="0" dirty="0">
+            <a:endParaRPr lang="en-US" sz="7200" b="0" cap="none" spc="0" dirty="0">
               <a:ln w="0"/>
               <a:solidFill>
                 <a:schemeClr val="tx1"/>
@@ -4177,7 +4177,7 @@
       </p:pic>
       <p:pic>
         <p:nvPicPr>
-          <p:cNvPr id="4" name="Picture 3"/>
+          <p:cNvPr id="6" name="Picture 5"/>
           <p:cNvPicPr>
             <a:picLocks noChangeAspect="1"/>
           </p:cNvPicPr>
@@ -4197,8 +4197,8 @@
         </p:blipFill>
         <p:spPr>
           <a:xfrm>
-            <a:off x="256273" y="2128391"/>
-            <a:ext cx="11935727" cy="3468845"/>
+            <a:off x="190467" y="1715753"/>
+            <a:ext cx="11752154" cy="5003701"/>
           </a:xfrm>
           <a:prstGeom prst="rect">
             <a:avLst/>
@@ -4335,7 +4335,7 @@
       </p:pic>
       <p:pic>
         <p:nvPicPr>
-          <p:cNvPr id="4" name="Picture 3"/>
+          <p:cNvPr id="6" name="Picture 5"/>
           <p:cNvPicPr>
             <a:picLocks noChangeAspect="1"/>
           </p:cNvPicPr>
@@ -4355,8 +4355,8 @@
         </p:blipFill>
         <p:spPr>
           <a:xfrm>
-            <a:off x="418194" y="1751379"/>
-            <a:ext cx="11427442" cy="4910896"/>
+            <a:off x="166254" y="1801091"/>
+            <a:ext cx="11928763" cy="4925445"/>
           </a:xfrm>
           <a:prstGeom prst="rect">
             <a:avLst/>
@@ -4493,7 +4493,7 @@
       </p:pic>
       <p:pic>
         <p:nvPicPr>
-          <p:cNvPr id="5" name="Picture 4"/>
+          <p:cNvPr id="7" name="Picture 6"/>
           <p:cNvPicPr>
             <a:picLocks noChangeAspect="1"/>
           </p:cNvPicPr>
@@ -4513,8 +4513,8 @@
         </p:blipFill>
         <p:spPr>
           <a:xfrm>
-            <a:off x="279649" y="1233185"/>
-            <a:ext cx="10304380" cy="5444706"/>
+            <a:off x="154957" y="1731818"/>
+            <a:ext cx="11912351" cy="5008545"/>
           </a:xfrm>
           <a:prstGeom prst="rect">
             <a:avLst/>
@@ -4687,13 +4687,8 @@
             </a:pPr>
             <a:r>
               <a:rPr lang="en-US" sz="2000" dirty="0" smtClean="0"/>
-              <a:t>Performance and Load test </a:t>
-            </a:r>
-            <a:r>
-              <a:rPr lang="en-US" sz="2000" dirty="0" smtClean="0"/>
-              <a:t>standards</a:t>
-            </a:r>
-            <a:endParaRPr lang="en-US" sz="2000" dirty="0" smtClean="0"/>
+              <a:t>Performance and Load test standards</a:t>
+            </a:r>
           </a:p>
           <a:p>
             <a:pPr marL="457200" indent="-457200">

--- a/4 HealthFit Demo.pptx
+++ b/4 HealthFit Demo.pptx
@@ -264,7 +264,7 @@
           <a:p>
             <a:fld id="{D1AE3E73-03A8-4803-9777-B1B793428FF4}" type="datetimeFigureOut">
               <a:rPr lang="en-US" smtClean="0"/>
-              <a:t>5/28/2023</a:t>
+              <a:t>5/29/2023</a:t>
             </a:fld>
             <a:endParaRPr lang="en-US"/>
           </a:p>
@@ -434,7 +434,7 @@
           <a:p>
             <a:fld id="{D1AE3E73-03A8-4803-9777-B1B793428FF4}" type="datetimeFigureOut">
               <a:rPr lang="en-US" smtClean="0"/>
-              <a:t>5/28/2023</a:t>
+              <a:t>5/29/2023</a:t>
             </a:fld>
             <a:endParaRPr lang="en-US"/>
           </a:p>
@@ -614,7 +614,7 @@
           <a:p>
             <a:fld id="{D1AE3E73-03A8-4803-9777-B1B793428FF4}" type="datetimeFigureOut">
               <a:rPr lang="en-US" smtClean="0"/>
-              <a:t>5/28/2023</a:t>
+              <a:t>5/29/2023</a:t>
             </a:fld>
             <a:endParaRPr lang="en-US"/>
           </a:p>
@@ -784,7 +784,7 @@
           <a:p>
             <a:fld id="{D1AE3E73-03A8-4803-9777-B1B793428FF4}" type="datetimeFigureOut">
               <a:rPr lang="en-US" smtClean="0"/>
-              <a:t>5/28/2023</a:t>
+              <a:t>5/29/2023</a:t>
             </a:fld>
             <a:endParaRPr lang="en-US"/>
           </a:p>
@@ -1030,7 +1030,7 @@
           <a:p>
             <a:fld id="{D1AE3E73-03A8-4803-9777-B1B793428FF4}" type="datetimeFigureOut">
               <a:rPr lang="en-US" smtClean="0"/>
-              <a:t>5/28/2023</a:t>
+              <a:t>5/29/2023</a:t>
             </a:fld>
             <a:endParaRPr lang="en-US"/>
           </a:p>
@@ -1262,7 +1262,7 @@
           <a:p>
             <a:fld id="{D1AE3E73-03A8-4803-9777-B1B793428FF4}" type="datetimeFigureOut">
               <a:rPr lang="en-US" smtClean="0"/>
-              <a:t>5/28/2023</a:t>
+              <a:t>5/29/2023</a:t>
             </a:fld>
             <a:endParaRPr lang="en-US"/>
           </a:p>
@@ -1629,7 +1629,7 @@
           <a:p>
             <a:fld id="{D1AE3E73-03A8-4803-9777-B1B793428FF4}" type="datetimeFigureOut">
               <a:rPr lang="en-US" smtClean="0"/>
-              <a:t>5/28/2023</a:t>
+              <a:t>5/29/2023</a:t>
             </a:fld>
             <a:endParaRPr lang="en-US"/>
           </a:p>
@@ -1747,7 +1747,7 @@
           <a:p>
             <a:fld id="{D1AE3E73-03A8-4803-9777-B1B793428FF4}" type="datetimeFigureOut">
               <a:rPr lang="en-US" smtClean="0"/>
-              <a:t>5/28/2023</a:t>
+              <a:t>5/29/2023</a:t>
             </a:fld>
             <a:endParaRPr lang="en-US"/>
           </a:p>
@@ -1842,7 +1842,7 @@
           <a:p>
             <a:fld id="{D1AE3E73-03A8-4803-9777-B1B793428FF4}" type="datetimeFigureOut">
               <a:rPr lang="en-US" smtClean="0"/>
-              <a:t>5/28/2023</a:t>
+              <a:t>5/29/2023</a:t>
             </a:fld>
             <a:endParaRPr lang="en-US"/>
           </a:p>
@@ -2119,7 +2119,7 @@
           <a:p>
             <a:fld id="{D1AE3E73-03A8-4803-9777-B1B793428FF4}" type="datetimeFigureOut">
               <a:rPr lang="en-US" smtClean="0"/>
-              <a:t>5/28/2023</a:t>
+              <a:t>5/29/2023</a:t>
             </a:fld>
             <a:endParaRPr lang="en-US"/>
           </a:p>
@@ -2372,7 +2372,7 @@
           <a:p>
             <a:fld id="{D1AE3E73-03A8-4803-9777-B1B793428FF4}" type="datetimeFigureOut">
               <a:rPr lang="en-US" smtClean="0"/>
-              <a:t>5/28/2023</a:t>
+              <a:t>5/29/2023</a:t>
             </a:fld>
             <a:endParaRPr lang="en-US"/>
           </a:p>
@@ -2585,7 +2585,7 @@
           <a:p>
             <a:fld id="{D1AE3E73-03A8-4803-9777-B1B793428FF4}" type="datetimeFigureOut">
               <a:rPr lang="en-US" smtClean="0"/>
-              <a:t>5/28/2023</a:t>
+              <a:t>5/29/2023</a:t>
             </a:fld>
             <a:endParaRPr lang="en-US"/>
           </a:p>
@@ -4177,7 +4177,7 @@
       </p:pic>
       <p:pic>
         <p:nvPicPr>
-          <p:cNvPr id="6" name="Picture 5"/>
+          <p:cNvPr id="4" name="Picture 3"/>
           <p:cNvPicPr>
             <a:picLocks noChangeAspect="1"/>
           </p:cNvPicPr>
@@ -4197,8 +4197,8 @@
         </p:blipFill>
         <p:spPr>
           <a:xfrm>
-            <a:off x="190467" y="1715753"/>
-            <a:ext cx="11752154" cy="5003701"/>
+            <a:off x="121014" y="1708035"/>
+            <a:ext cx="11890879" cy="5025274"/>
           </a:xfrm>
           <a:prstGeom prst="rect">
             <a:avLst/>
@@ -4335,7 +4335,7 @@
       </p:pic>
       <p:pic>
         <p:nvPicPr>
-          <p:cNvPr id="6" name="Picture 5"/>
+          <p:cNvPr id="4" name="Picture 3"/>
           <p:cNvPicPr>
             <a:picLocks noChangeAspect="1"/>
           </p:cNvPicPr>
@@ -4355,8 +4355,8 @@
         </p:blipFill>
         <p:spPr>
           <a:xfrm>
-            <a:off x="166254" y="1801091"/>
-            <a:ext cx="11928763" cy="4925445"/>
+            <a:off x="138546" y="1690255"/>
+            <a:ext cx="11804072" cy="5020800"/>
           </a:xfrm>
           <a:prstGeom prst="rect">
             <a:avLst/>
@@ -4493,7 +4493,7 @@
       </p:pic>
       <p:pic>
         <p:nvPicPr>
-          <p:cNvPr id="7" name="Picture 6"/>
+          <p:cNvPr id="4" name="Picture 3"/>
           <p:cNvPicPr>
             <a:picLocks noChangeAspect="1"/>
           </p:cNvPicPr>
@@ -4513,8 +4513,8 @@
         </p:blipFill>
         <p:spPr>
           <a:xfrm>
-            <a:off x="154957" y="1731818"/>
-            <a:ext cx="11912351" cy="5008545"/>
+            <a:off x="279648" y="1676400"/>
+            <a:ext cx="11662969" cy="4975968"/>
           </a:xfrm>
           <a:prstGeom prst="rect">
             <a:avLst/>

--- a/4 HealthFit Demo.pptx
+++ b/4 HealthFit Demo.pptx
@@ -4664,8 +4664,8 @@
         </p:nvSpPr>
         <p:spPr>
           <a:xfrm>
-            <a:off x="401781" y="1419140"/>
-            <a:ext cx="8839201" cy="5586145"/>
+            <a:off x="631864" y="1737795"/>
+            <a:ext cx="8839201" cy="4708981"/>
           </a:xfrm>
           <a:prstGeom prst="rect">
             <a:avLst/>
@@ -4722,7 +4722,7 @@
             </a:pPr>
             <a:r>
               <a:rPr lang="en-US" sz="2000" dirty="0" smtClean="0"/>
-              <a:t>File can ready by page </a:t>
+              <a:t>Multipart file upload for Large file with buffered model. </a:t>
             </a:r>
           </a:p>
           <a:p>
@@ -4734,14 +4734,13 @@
               <a:buAutoNum type="arabicPeriod"/>
             </a:pPr>
             <a:r>
-              <a:rPr lang="en-US" sz="2000" dirty="0"/>
-              <a:t>File Content </a:t>
-            </a:r>
-            <a:r>
               <a:rPr lang="en-US" sz="2000" dirty="0" smtClean="0"/>
-              <a:t>– Security Policy e.g. Content Encryption over network</a:t>
-            </a:r>
-            <a:endParaRPr lang="en-US" sz="2000" dirty="0"/>
+              <a:t>File </a:t>
+            </a:r>
+            <a:r>
+              <a:rPr lang="en-US" sz="2000" dirty="0" smtClean="0"/>
+              <a:t>can ready by page </a:t>
+            </a:r>
           </a:p>
           <a:p>
             <a:pPr marL="457200" indent="-457200">
@@ -4753,7 +4752,35 @@
             </a:pPr>
             <a:r>
               <a:rPr lang="en-US" sz="2000" dirty="0" smtClean="0"/>
-              <a:t>File Content – Malware Scan</a:t>
+              <a:t>File </a:t>
+            </a:r>
+            <a:r>
+              <a:rPr lang="en-US" sz="2000" dirty="0" smtClean="0"/>
+              <a:t>Content – </a:t>
+            </a:r>
+            <a:r>
+              <a:rPr lang="en-US" sz="2000" dirty="0" smtClean="0"/>
+              <a:t> </a:t>
+            </a:r>
+            <a:r>
+              <a:rPr lang="en-US" sz="2000" dirty="0" smtClean="0"/>
+              <a:t>File </a:t>
+            </a:r>
+            <a:r>
+              <a:rPr lang="en-US" sz="2000" dirty="0"/>
+              <a:t>signature </a:t>
+            </a:r>
+            <a:r>
+              <a:rPr lang="en-US" sz="2000" dirty="0" smtClean="0"/>
+              <a:t>validation , </a:t>
+            </a:r>
+            <a:r>
+              <a:rPr lang="en-US" sz="2000" dirty="0" smtClean="0"/>
+              <a:t>Malware Scan , </a:t>
+            </a:r>
+            <a:r>
+              <a:rPr lang="en-US" sz="2000" dirty="0" smtClean="0"/>
+              <a:t>Copyright Policy</a:t>
             </a:r>
           </a:p>
           <a:p>
@@ -4765,12 +4792,8 @@
               <a:buAutoNum type="arabicPeriod"/>
             </a:pPr>
             <a:r>
-              <a:rPr lang="en-US" sz="2000" dirty="0"/>
-              <a:t>File Content – </a:t>
-            </a:r>
-            <a:r>
               <a:rPr lang="en-US" sz="2000" dirty="0" smtClean="0"/>
-              <a:t>Copyright Policy</a:t>
+              <a:t>Restrict misuse of file – Password protected </a:t>
             </a:r>
           </a:p>
           <a:p>
@@ -4783,7 +4806,7 @@
             </a:pPr>
             <a:r>
               <a:rPr lang="en-US" sz="2000" dirty="0" smtClean="0"/>
-              <a:t>Restrict misuse of file – Password protected </a:t>
+              <a:t>Distributed File Storage Servers </a:t>
             </a:r>
           </a:p>
           <a:p>
@@ -4795,8 +4818,8 @@
               <a:buAutoNum type="arabicPeriod"/>
             </a:pPr>
             <a:r>
-              <a:rPr lang="en-US" sz="2000" dirty="0" smtClean="0"/>
-              <a:t>Distributed File Storage Servers </a:t>
+              <a:rPr lang="en-US" sz="2000" dirty="0"/>
+              <a:t>Static Code Analyzer</a:t>
             </a:r>
           </a:p>
           <a:p>
@@ -4808,44 +4831,14 @@
               <a:buAutoNum type="arabicPeriod"/>
             </a:pPr>
             <a:r>
+              <a:rPr lang="en-US" sz="2000" dirty="0" smtClean="0"/>
+              <a:t>Application Security and Monitoring e.g. Application </a:t>
+            </a:r>
+            <a:r>
               <a:rPr lang="en-US" sz="2000" dirty="0"/>
-              <a:t>Static Code Analyzer</a:t>
-            </a:r>
-          </a:p>
-          <a:p>
-            <a:pPr marL="457200" indent="-457200">
-              <a:lnSpc>
-                <a:spcPct val="150000"/>
-              </a:lnSpc>
-              <a:buFont typeface="+mj-lt"/>
-              <a:buAutoNum type="arabicPeriod"/>
-            </a:pPr>
-            <a:r>
-              <a:rPr lang="en-US" sz="2000" dirty="0" smtClean="0"/>
-              <a:t>Application Security and Monitoring e.g. Application Insight</a:t>
-            </a:r>
-          </a:p>
-          <a:p>
-            <a:pPr marL="457200" indent="-457200">
-              <a:lnSpc>
-                <a:spcPct val="150000"/>
-              </a:lnSpc>
-              <a:buFont typeface="+mj-lt"/>
-              <a:buAutoNum type="arabicPeriod"/>
-            </a:pPr>
-            <a:r>
-              <a:rPr lang="en-US" dirty="0" smtClean="0"/>
-              <a:t>Firewall and </a:t>
-            </a:r>
-            <a:r>
-              <a:rPr lang="en-US" dirty="0" err="1" smtClean="0"/>
-              <a:t>DDoS</a:t>
-            </a:r>
-            <a:r>
-              <a:rPr lang="en-US" dirty="0" smtClean="0"/>
-              <a:t> Protection of File Servers and many more</a:t>
-            </a:r>
-            <a:endParaRPr lang="en-US" b="1" dirty="0"/>
+              <a:t>Insight many more</a:t>
+            </a:r>
+            <a:endParaRPr lang="en-US" sz="2000" b="1" dirty="0"/>
           </a:p>
           <a:p>
             <a:pPr marL="457200" indent="-457200">

--- a/4 HealthFit Demo.pptx
+++ b/4 HealthFit Demo.pptx
@@ -3141,7 +3141,7 @@
                   </a:outerShdw>
                 </a:effectLst>
               </a:rPr>
-              <a:t>29</a:t>
+              <a:t>30</a:t>
             </a:r>
             <a:r>
               <a:rPr lang="en-US" sz="1600" baseline="30000" dirty="0" smtClean="0">
@@ -3167,7 +3167,20 @@
                   </a:outerShdw>
                 </a:effectLst>
               </a:rPr>
-              <a:t> May 2023</a:t>
+              <a:t> </a:t>
+            </a:r>
+            <a:r>
+              <a:rPr lang="en-US" sz="1600" dirty="0" smtClean="0">
+                <a:ln w="0"/>
+                <a:effectLst>
+                  <a:outerShdw blurRad="38100" dist="19050" dir="2700000" algn="tl" rotWithShape="0">
+                    <a:schemeClr val="dk1">
+                      <a:alpha val="40000"/>
+                    </a:schemeClr>
+                  </a:outerShdw>
+                </a:effectLst>
+              </a:rPr>
+              <a:t>May 2023</a:t>
             </a:r>
             <a:endParaRPr lang="en-US" sz="1600" b="0" cap="none" spc="0" dirty="0">
               <a:ln w="0"/>
@@ -4735,11 +4748,7 @@
             </a:pPr>
             <a:r>
               <a:rPr lang="en-US" sz="2000" dirty="0" smtClean="0"/>
-              <a:t>File </a:t>
-            </a:r>
-            <a:r>
-              <a:rPr lang="en-US" sz="2000" dirty="0" smtClean="0"/>
-              <a:t>can ready by page </a:t>
+              <a:t>File can ready by page </a:t>
             </a:r>
           </a:p>
           <a:p>
@@ -4752,19 +4761,7 @@
             </a:pPr>
             <a:r>
               <a:rPr lang="en-US" sz="2000" dirty="0" smtClean="0"/>
-              <a:t>File </a:t>
-            </a:r>
-            <a:r>
-              <a:rPr lang="en-US" sz="2000" dirty="0" smtClean="0"/>
-              <a:t>Content – </a:t>
-            </a:r>
-            <a:r>
-              <a:rPr lang="en-US" sz="2000" dirty="0" smtClean="0"/>
-              <a:t> </a:t>
-            </a:r>
-            <a:r>
-              <a:rPr lang="en-US" sz="2000" dirty="0" smtClean="0"/>
-              <a:t>File </a:t>
+              <a:t>File Content –  File </a:t>
             </a:r>
             <a:r>
               <a:rPr lang="en-US" sz="2000" dirty="0"/>
@@ -4772,15 +4769,7 @@
             </a:r>
             <a:r>
               <a:rPr lang="en-US" sz="2000" dirty="0" smtClean="0"/>
-              <a:t>validation , </a:t>
-            </a:r>
-            <a:r>
-              <a:rPr lang="en-US" sz="2000" dirty="0" smtClean="0"/>
-              <a:t>Malware Scan , </a:t>
-            </a:r>
-            <a:r>
-              <a:rPr lang="en-US" sz="2000" dirty="0" smtClean="0"/>
-              <a:t>Copyright Policy</a:t>
+              <a:t>validation , Malware Scan , Copyright Policy</a:t>
             </a:r>
           </a:p>
           <a:p>

--- a/4 HealthFit Demo.pptx
+++ b/4 HealthFit Demo.pptx
@@ -3167,20 +3167,7 @@
                   </a:outerShdw>
                 </a:effectLst>
               </a:rPr>
-              <a:t> </a:t>
-            </a:r>
-            <a:r>
-              <a:rPr lang="en-US" sz="1600" dirty="0" smtClean="0">
-                <a:ln w="0"/>
-                <a:effectLst>
-                  <a:outerShdw blurRad="38100" dist="19050" dir="2700000" algn="tl" rotWithShape="0">
-                    <a:schemeClr val="dk1">
-                      <a:alpha val="40000"/>
-                    </a:schemeClr>
-                  </a:outerShdw>
-                </a:effectLst>
-              </a:rPr>
-              <a:t>May 2023</a:t>
+              <a:t> May 2023</a:t>
             </a:r>
             <a:endParaRPr lang="en-US" sz="1600" b="0" cap="none" spc="0" dirty="0">
               <a:ln w="0"/>
@@ -4190,7 +4177,7 @@
       </p:pic>
       <p:pic>
         <p:nvPicPr>
-          <p:cNvPr id="4" name="Picture 3"/>
+          <p:cNvPr id="5" name="Picture 4"/>
           <p:cNvPicPr>
             <a:picLocks noChangeAspect="1"/>
           </p:cNvPicPr>
@@ -4210,8 +4197,8 @@
         </p:blipFill>
         <p:spPr>
           <a:xfrm>
-            <a:off x="121014" y="1708035"/>
-            <a:ext cx="11890879" cy="5025274"/>
+            <a:off x="129784" y="1749599"/>
+            <a:ext cx="11965234" cy="4900583"/>
           </a:xfrm>
           <a:prstGeom prst="rect">
             <a:avLst/>
@@ -4348,7 +4335,7 @@
       </p:pic>
       <p:pic>
         <p:nvPicPr>
-          <p:cNvPr id="4" name="Picture 3"/>
+          <p:cNvPr id="5" name="Picture 4"/>
           <p:cNvPicPr>
             <a:picLocks noChangeAspect="1"/>
           </p:cNvPicPr>
@@ -4368,8 +4355,8 @@
         </p:blipFill>
         <p:spPr>
           <a:xfrm>
-            <a:off x="138546" y="1690255"/>
-            <a:ext cx="11804072" cy="5020800"/>
+            <a:off x="141104" y="1856508"/>
+            <a:ext cx="11801514" cy="4849091"/>
           </a:xfrm>
           <a:prstGeom prst="rect">
             <a:avLst/>
@@ -4506,7 +4493,7 @@
       </p:pic>
       <p:pic>
         <p:nvPicPr>
-          <p:cNvPr id="4" name="Picture 3"/>
+          <p:cNvPr id="5" name="Picture 4"/>
           <p:cNvPicPr>
             <a:picLocks noChangeAspect="1"/>
           </p:cNvPicPr>
@@ -4526,8 +4513,8 @@
         </p:blipFill>
         <p:spPr>
           <a:xfrm>
-            <a:off x="279648" y="1676400"/>
-            <a:ext cx="11662969" cy="4975968"/>
+            <a:off x="279649" y="1676399"/>
+            <a:ext cx="11524424" cy="5048353"/>
           </a:xfrm>
           <a:prstGeom prst="rect">
             <a:avLst/>
@@ -4900,7 +4887,7 @@
         </p:nvSpPr>
         <p:spPr>
           <a:xfrm>
-            <a:off x="376625" y="724816"/>
+            <a:off x="185867" y="2622888"/>
             <a:ext cx="11141613" cy="1077218"/>
           </a:xfrm>
           <a:prstGeom prst="rect">
@@ -4973,8 +4960,8 @@
         </p:blipFill>
         <p:spPr>
           <a:xfrm>
-            <a:off x="3768657" y="2395278"/>
-            <a:ext cx="4357548" cy="2633922"/>
+            <a:off x="9975273" y="270989"/>
+            <a:ext cx="1884217" cy="1138916"/>
           </a:xfrm>
           <a:prstGeom prst="rect">
             <a:avLst/>
@@ -5040,7 +5027,7 @@
         </p:nvSpPr>
         <p:spPr>
           <a:xfrm>
-            <a:off x="543684" y="214116"/>
+            <a:off x="1485793" y="2486262"/>
             <a:ext cx="10235152" cy="2123658"/>
           </a:xfrm>
           <a:prstGeom prst="rect">
@@ -5095,7 +5082,7 @@
           <p:nvPr/>
         </p:nvPicPr>
         <p:blipFill>
-          <a:blip r:embed="rId3">
+          <a:blip r:embed="rId3" cstate="print">
             <a:extLst>
               <a:ext uri="{28A0092B-C50C-407E-A947-70E740481C1C}">
                 <a14:useLocalDpi xmlns:a14="http://schemas.microsoft.com/office/drawing/2010/main" val="0"/>
@@ -5108,8 +5095,8 @@
         </p:blipFill>
         <p:spPr>
           <a:xfrm>
-            <a:off x="2860044" y="2239241"/>
-            <a:ext cx="5602431" cy="3112462"/>
+            <a:off x="9756624" y="214117"/>
+            <a:ext cx="2158286" cy="1199048"/>
           </a:xfrm>
           <a:prstGeom prst="rect">
             <a:avLst/>
@@ -5203,7 +5190,9 @@
               <a:rPr lang="en-US" sz="6600" b="1" cap="none" spc="0" dirty="0" smtClean="0">
                 <a:ln/>
                 <a:solidFill>
-                  <a:schemeClr val="accent4"/>
+                  <a:schemeClr val="accent1">
+                    <a:lumMod val="50000"/>
+                  </a:schemeClr>
                 </a:solidFill>
                 <a:effectLst/>
               </a:rPr>
@@ -5212,7 +5201,9 @@
             <a:endParaRPr lang="en-US" sz="6600" b="1" cap="none" spc="0" dirty="0">
               <a:ln/>
               <a:solidFill>
-                <a:schemeClr val="accent4"/>
+                <a:schemeClr val="accent1">
+                  <a:lumMod val="50000"/>
+                </a:schemeClr>
               </a:solidFill>
               <a:effectLst/>
             </a:endParaRPr>
@@ -5306,7 +5297,9 @@
               <a:rPr lang="en-US" sz="6600" b="1" cap="none" spc="0" dirty="0" smtClean="0">
                 <a:ln/>
                 <a:solidFill>
-                  <a:schemeClr val="accent4"/>
+                  <a:schemeClr val="accent1">
+                    <a:lumMod val="50000"/>
+                  </a:schemeClr>
                 </a:solidFill>
                 <a:effectLst/>
               </a:rPr>
@@ -5315,7 +5308,9 @@
             <a:endParaRPr lang="en-US" sz="6600" b="1" cap="none" spc="0" dirty="0">
               <a:ln/>
               <a:solidFill>
-                <a:schemeClr val="accent4"/>
+                <a:schemeClr val="accent1">
+                  <a:lumMod val="50000"/>
+                </a:schemeClr>
               </a:solidFill>
               <a:effectLst/>
             </a:endParaRPr>

--- a/4 HealthFit Demo.pptx
+++ b/4 HealthFit Demo.pptx
@@ -4177,7 +4177,7 @@
       </p:pic>
       <p:pic>
         <p:nvPicPr>
-          <p:cNvPr id="5" name="Picture 4"/>
+          <p:cNvPr id="6" name="Picture 5"/>
           <p:cNvPicPr>
             <a:picLocks noChangeAspect="1"/>
           </p:cNvPicPr>
@@ -4197,8 +4197,8 @@
         </p:blipFill>
         <p:spPr>
           <a:xfrm>
-            <a:off x="129784" y="1749599"/>
-            <a:ext cx="11965234" cy="4900583"/>
+            <a:off x="110835" y="1697614"/>
+            <a:ext cx="11942619" cy="5007986"/>
           </a:xfrm>
           <a:prstGeom prst="rect">
             <a:avLst/>

--- a/4 HealthFit Demo.pptx
+++ b/4 HealthFit Demo.pptx
@@ -264,7 +264,7 @@
           <a:p>
             <a:fld id="{D1AE3E73-03A8-4803-9777-B1B793428FF4}" type="datetimeFigureOut">
               <a:rPr lang="en-US" smtClean="0"/>
-              <a:t>5/29/2023</a:t>
+              <a:t>5/30/2023</a:t>
             </a:fld>
             <a:endParaRPr lang="en-US"/>
           </a:p>
@@ -434,7 +434,7 @@
           <a:p>
             <a:fld id="{D1AE3E73-03A8-4803-9777-B1B793428FF4}" type="datetimeFigureOut">
               <a:rPr lang="en-US" smtClean="0"/>
-              <a:t>5/29/2023</a:t>
+              <a:t>5/30/2023</a:t>
             </a:fld>
             <a:endParaRPr lang="en-US"/>
           </a:p>
@@ -614,7 +614,7 @@
           <a:p>
             <a:fld id="{D1AE3E73-03A8-4803-9777-B1B793428FF4}" type="datetimeFigureOut">
               <a:rPr lang="en-US" smtClean="0"/>
-              <a:t>5/29/2023</a:t>
+              <a:t>5/30/2023</a:t>
             </a:fld>
             <a:endParaRPr lang="en-US"/>
           </a:p>
@@ -784,7 +784,7 @@
           <a:p>
             <a:fld id="{D1AE3E73-03A8-4803-9777-B1B793428FF4}" type="datetimeFigureOut">
               <a:rPr lang="en-US" smtClean="0"/>
-              <a:t>5/29/2023</a:t>
+              <a:t>5/30/2023</a:t>
             </a:fld>
             <a:endParaRPr lang="en-US"/>
           </a:p>
@@ -1030,7 +1030,7 @@
           <a:p>
             <a:fld id="{D1AE3E73-03A8-4803-9777-B1B793428FF4}" type="datetimeFigureOut">
               <a:rPr lang="en-US" smtClean="0"/>
-              <a:t>5/29/2023</a:t>
+              <a:t>5/30/2023</a:t>
             </a:fld>
             <a:endParaRPr lang="en-US"/>
           </a:p>
@@ -1262,7 +1262,7 @@
           <a:p>
             <a:fld id="{D1AE3E73-03A8-4803-9777-B1B793428FF4}" type="datetimeFigureOut">
               <a:rPr lang="en-US" smtClean="0"/>
-              <a:t>5/29/2023</a:t>
+              <a:t>5/30/2023</a:t>
             </a:fld>
             <a:endParaRPr lang="en-US"/>
           </a:p>
@@ -1629,7 +1629,7 @@
           <a:p>
             <a:fld id="{D1AE3E73-03A8-4803-9777-B1B793428FF4}" type="datetimeFigureOut">
               <a:rPr lang="en-US" smtClean="0"/>
-              <a:t>5/29/2023</a:t>
+              <a:t>5/30/2023</a:t>
             </a:fld>
             <a:endParaRPr lang="en-US"/>
           </a:p>
@@ -1747,7 +1747,7 @@
           <a:p>
             <a:fld id="{D1AE3E73-03A8-4803-9777-B1B793428FF4}" type="datetimeFigureOut">
               <a:rPr lang="en-US" smtClean="0"/>
-              <a:t>5/29/2023</a:t>
+              <a:t>5/30/2023</a:t>
             </a:fld>
             <a:endParaRPr lang="en-US"/>
           </a:p>
@@ -1842,7 +1842,7 @@
           <a:p>
             <a:fld id="{D1AE3E73-03A8-4803-9777-B1B793428FF4}" type="datetimeFigureOut">
               <a:rPr lang="en-US" smtClean="0"/>
-              <a:t>5/29/2023</a:t>
+              <a:t>5/30/2023</a:t>
             </a:fld>
             <a:endParaRPr lang="en-US"/>
           </a:p>
@@ -2119,7 +2119,7 @@
           <a:p>
             <a:fld id="{D1AE3E73-03A8-4803-9777-B1B793428FF4}" type="datetimeFigureOut">
               <a:rPr lang="en-US" smtClean="0"/>
-              <a:t>5/29/2023</a:t>
+              <a:t>5/30/2023</a:t>
             </a:fld>
             <a:endParaRPr lang="en-US"/>
           </a:p>
@@ -2372,7 +2372,7 @@
           <a:p>
             <a:fld id="{D1AE3E73-03A8-4803-9777-B1B793428FF4}" type="datetimeFigureOut">
               <a:rPr lang="en-US" smtClean="0"/>
-              <a:t>5/29/2023</a:t>
+              <a:t>5/30/2023</a:t>
             </a:fld>
             <a:endParaRPr lang="en-US"/>
           </a:p>
@@ -2585,7 +2585,7 @@
           <a:p>
             <a:fld id="{D1AE3E73-03A8-4803-9777-B1B793428FF4}" type="datetimeFigureOut">
               <a:rPr lang="en-US" smtClean="0"/>
-              <a:t>5/29/2023</a:t>
+              <a:t>5/30/2023</a:t>
             </a:fld>
             <a:endParaRPr lang="en-US"/>
           </a:p>

--- a/4 HealthFit Demo.pptx
+++ b/4 HealthFit Demo.pptx
@@ -5979,7 +5979,7 @@
         <p:spPr>
           <a:xfrm>
             <a:off x="429490" y="1795877"/>
-            <a:ext cx="6359237" cy="3508653"/>
+            <a:ext cx="11457712" cy="5032147"/>
           </a:xfrm>
           <a:prstGeom prst="rect">
             <a:avLst/>
@@ -6055,8 +6055,77 @@
             </a:pPr>
             <a:r>
               <a:rPr lang="en-US" sz="2200" dirty="0" smtClean="0"/>
-              <a:t>Design Pattern :  Repository Pattern</a:t>
-            </a:r>
+              <a:t>Design Pattern :  Repository </a:t>
+            </a:r>
+            <a:r>
+              <a:rPr lang="en-US" sz="2200" dirty="0"/>
+              <a:t>Pattern (data access and </a:t>
+            </a:r>
+            <a:r>
+              <a:rPr lang="en-US" sz="2200" dirty="0" smtClean="0"/>
+              <a:t>persistence</a:t>
+            </a:r>
+            <a:r>
+              <a:rPr lang="en-US" sz="2200" dirty="0"/>
+              <a:t> </a:t>
+            </a:r>
+            <a:r>
+              <a:rPr lang="en-US" sz="2200" dirty="0" smtClean="0"/>
+              <a:t>, Separation </a:t>
+            </a:r>
+            <a:r>
+              <a:rPr lang="en-US" sz="2200" dirty="0"/>
+              <a:t>of </a:t>
+            </a:r>
+            <a:r>
+              <a:rPr lang="en-US" sz="2200" dirty="0" smtClean="0"/>
+              <a:t>concerns, Abstraction </a:t>
+            </a:r>
+            <a:r>
+              <a:rPr lang="en-US" sz="2200" dirty="0"/>
+              <a:t>of data access </a:t>
+            </a:r>
+            <a:r>
+              <a:rPr lang="en-US" sz="2200" dirty="0" smtClean="0"/>
+              <a:t>logic, Centralized </a:t>
+            </a:r>
+            <a:r>
+              <a:rPr lang="en-US" sz="2200" dirty="0"/>
+              <a:t>data access </a:t>
+            </a:r>
+            <a:r>
+              <a:rPr lang="en-US" sz="2200" dirty="0" smtClean="0"/>
+              <a:t>logic, Encapsulation </a:t>
+            </a:r>
+            <a:r>
+              <a:rPr lang="en-US" sz="2200" dirty="0"/>
+              <a:t>of querying and </a:t>
+            </a:r>
+            <a:r>
+              <a:rPr lang="en-US" sz="2200" dirty="0" smtClean="0"/>
+              <a:t>,Persistence operations, Testing </a:t>
+            </a:r>
+            <a:r>
+              <a:rPr lang="en-US" sz="2200" dirty="0"/>
+              <a:t>and </a:t>
+            </a:r>
+            <a:r>
+              <a:rPr lang="en-US" sz="2200" dirty="0" smtClean="0"/>
+              <a:t>Mocking, Flexibility </a:t>
+            </a:r>
+            <a:r>
+              <a:rPr lang="en-US" sz="2200" dirty="0"/>
+              <a:t>in data storage </a:t>
+            </a:r>
+            <a:r>
+              <a:rPr lang="en-US" sz="2200" dirty="0" smtClean="0"/>
+              <a:t>implementations Standardization </a:t>
+            </a:r>
+            <a:r>
+              <a:rPr lang="en-US" sz="2200" dirty="0"/>
+              <a:t>and consistency)</a:t>
+            </a:r>
+            <a:endParaRPr lang="en-US" sz="2200" dirty="0" smtClean="0"/>
           </a:p>
           <a:p>
             <a:pPr>
